--- a/proposal/ThoMan_Sudoku_ProposalSlides.pptx
+++ b/proposal/ThoMan_Sudoku_ProposalSlides.pptx
@@ -6,6 +6,7 @@
   </p:sldMasterIdLst>
   <p:sldIdLst>
     <p:sldId id="256" r:id="rId2"/>
+    <p:sldId id="257" r:id="rId3"/>
   </p:sldIdLst>
   <p:sldSz cx="12192000" cy="6858000"/>
   <p:notesSz cx="6858000" cy="9144000"/>
@@ -104,6 +105,11 @@
       </a:defRPr>
     </a:lvl9pPr>
   </p:defaultTextStyle>
+  <p:extLst>
+    <p:ext uri="{EFAFB233-063F-42B5-8137-9DF3F51BA10A}">
+      <p15:sldGuideLst xmlns:p15="http://schemas.microsoft.com/office/powerpoint/2012/main"/>
+    </p:ext>
+  </p:extLst>
 </p:presentation>
 </file>
 
@@ -3394,6 +3400,89 @@
 </p:sld>
 </file>
 
+<file path=ppt/slides/slide2.xml><?xml version="1.0" encoding="utf-8"?>
+<p:sld xmlns:a="http://schemas.openxmlformats.org/drawingml/2006/main" xmlns:r="http://schemas.openxmlformats.org/officeDocument/2006/relationships" xmlns:p="http://schemas.openxmlformats.org/presentationml/2006/main">
+  <p:cSld>
+    <p:spTree>
+      <p:nvGrpSpPr>
+        <p:cNvPr id="1" name=""/>
+        <p:cNvGrpSpPr/>
+        <p:nvPr/>
+      </p:nvGrpSpPr>
+      <p:grpSpPr>
+        <a:xfrm>
+          <a:off x="0" y="0"/>
+          <a:ext cx="0" cy="0"/>
+          <a:chOff x="0" y="0"/>
+          <a:chExt cx="0" cy="0"/>
+        </a:xfrm>
+      </p:grpSpPr>
+      <p:sp>
+        <p:nvSpPr>
+          <p:cNvPr id="2" name="Title 1">
+            <a:extLst>
+              <a:ext uri="{FF2B5EF4-FFF2-40B4-BE49-F238E27FC236}">
+                <a16:creationId xmlns:a16="http://schemas.microsoft.com/office/drawing/2014/main" id="{41C84DBF-DFDD-4200-B21D-BEEA96BC5882}"/>
+              </a:ext>
+            </a:extLst>
+          </p:cNvPr>
+          <p:cNvSpPr>
+            <a:spLocks noGrp="1"/>
+          </p:cNvSpPr>
+          <p:nvPr>
+            <p:ph type="title"/>
+          </p:nvPr>
+        </p:nvSpPr>
+        <p:spPr/>
+        <p:txBody>
+          <a:bodyPr/>
+          <a:lstStyle/>
+          <a:p>
+            <a:r>
+              <a:rPr lang="en-US" dirty="0"/>
+              <a:t>Second slide</a:t>
+            </a:r>
+          </a:p>
+        </p:txBody>
+      </p:sp>
+      <p:sp>
+        <p:nvSpPr>
+          <p:cNvPr id="3" name="Content Placeholder 2">
+            <a:extLst>
+              <a:ext uri="{FF2B5EF4-FFF2-40B4-BE49-F238E27FC236}">
+                <a16:creationId xmlns:a16="http://schemas.microsoft.com/office/drawing/2014/main" id="{398F0B39-4143-48A0-9CBD-FD9717D8A273}"/>
+              </a:ext>
+            </a:extLst>
+          </p:cNvPr>
+          <p:cNvSpPr>
+            <a:spLocks noGrp="1"/>
+          </p:cNvSpPr>
+          <p:nvPr>
+            <p:ph idx="1"/>
+          </p:nvPr>
+        </p:nvSpPr>
+        <p:spPr/>
+        <p:txBody>
+          <a:bodyPr/>
+          <a:lstStyle/>
+          <a:p>
+            <a:endParaRPr lang="en-US"/>
+          </a:p>
+        </p:txBody>
+      </p:sp>
+    </p:spTree>
+    <p:extLst>
+      <p:ext uri="{BB962C8B-B14F-4D97-AF65-F5344CB8AC3E}">
+        <p14:creationId xmlns:p14="http://schemas.microsoft.com/office/powerpoint/2010/main" val="28990446"/>
+      </p:ext>
+    </p:extLst>
+  </p:cSld>
+  <p:clrMapOvr>
+    <a:masterClrMapping/>
+  </p:clrMapOvr>
+</p:sld>
+</file>
+
 <file path=ppt/theme/theme1.xml><?xml version="1.0" encoding="utf-8"?>
 <a:theme xmlns:a="http://schemas.openxmlformats.org/drawingml/2006/main" name="Office Theme">
   <a:themeElements>

--- a/proposal/ThoMan_Sudoku_ProposalSlides.pptx
+++ b/proposal/ThoMan_Sudoku_ProposalSlides.pptx
@@ -7,6 +7,11 @@
   <p:sldIdLst>
     <p:sldId id="256" r:id="rId2"/>
     <p:sldId id="257" r:id="rId3"/>
+    <p:sldId id="258" r:id="rId4"/>
+    <p:sldId id="260" r:id="rId5"/>
+    <p:sldId id="259" r:id="rId6"/>
+    <p:sldId id="261" r:id="rId7"/>
+    <p:sldId id="262" r:id="rId8"/>
   </p:sldIdLst>
   <p:sldSz cx="12192000" cy="6858000"/>
   <p:notesSz cx="6858000" cy="9144000"/>
@@ -3313,6 +3318,14 @@
 <file path=ppt/slides/slide1.xml><?xml version="1.0" encoding="utf-8"?>
 <p:sld xmlns:a="http://schemas.openxmlformats.org/drawingml/2006/main" xmlns:r="http://schemas.openxmlformats.org/officeDocument/2006/relationships" xmlns:p="http://schemas.openxmlformats.org/presentationml/2006/main">
   <p:cSld>
+    <p:bg>
+      <p:bgPr>
+        <a:solidFill>
+          <a:srgbClr val="00194C"/>
+        </a:solidFill>
+        <a:effectLst/>
+      </p:bgPr>
+    </p:bg>
     <p:spTree>
       <p:nvGrpSpPr>
         <p:cNvPr id="1" name=""/>
@@ -3345,12 +3358,40 @@
         </p:nvSpPr>
         <p:spPr/>
         <p:txBody>
-          <a:bodyPr/>
-          <a:lstStyle/>
-          <a:p>
-            <a:r>
-              <a:rPr lang="en-US" dirty="0"/>
-              <a:t>Sudoku</a:t>
+          <a:bodyPr>
+            <a:normAutofit fontScale="90000"/>
+          </a:bodyPr>
+          <a:lstStyle/>
+          <a:p>
+            <a:r>
+              <a:rPr lang="en-US" sz="4900" dirty="0">
+                <a:solidFill>
+                  <a:schemeClr val="bg1"/>
+                </a:solidFill>
+              </a:rPr>
+              <a:t>Semester Project</a:t>
+            </a:r>
+            <a:br>
+              <a:rPr lang="en-US" sz="5400" dirty="0">
+                <a:solidFill>
+                  <a:schemeClr val="bg1"/>
+                </a:solidFill>
+              </a:rPr>
+            </a:br>
+            <a:br>
+              <a:rPr lang="en-US" sz="6700" dirty="0">
+                <a:solidFill>
+                  <a:schemeClr val="bg1"/>
+                </a:solidFill>
+              </a:rPr>
+            </a:br>
+            <a:r>
+              <a:rPr lang="en-US" sz="6700" b="1" dirty="0">
+                <a:solidFill>
+                  <a:srgbClr val="FFC000"/>
+                </a:solidFill>
+              </a:rPr>
+              <a:t>Sudoku Solver</a:t>
             </a:r>
           </a:p>
         </p:txBody>
@@ -3371,17 +3412,32 @@
             <p:ph type="subTitle" idx="1"/>
           </p:nvPr>
         </p:nvSpPr>
-        <p:spPr/>
-        <p:txBody>
-          <a:bodyPr/>
-          <a:lstStyle/>
-          <a:p>
-            <a:r>
-              <a:rPr lang="en-US" dirty="0" err="1"/>
+        <p:spPr>
+          <a:xfrm>
+            <a:off x="5387008" y="5203688"/>
+            <a:ext cx="9144000" cy="1655762"/>
+          </a:xfrm>
+        </p:spPr>
+        <p:txBody>
+          <a:bodyPr>
+            <a:normAutofit/>
+          </a:bodyPr>
+          <a:lstStyle/>
+          <a:p>
+            <a:r>
+              <a:rPr lang="en-US" sz="3600" dirty="0" err="1">
+                <a:solidFill>
+                  <a:schemeClr val="bg1"/>
+                </a:solidFill>
+              </a:rPr>
               <a:t>Tho</a:t>
             </a:r>
             <a:r>
-              <a:rPr lang="en-US" dirty="0"/>
+              <a:rPr lang="en-US" sz="3600" dirty="0">
+                <a:solidFill>
+                  <a:schemeClr val="bg1"/>
+                </a:solidFill>
+              </a:rPr>
               <a:t> Man</a:t>
             </a:r>
           </a:p>
@@ -3403,6 +3459,14 @@
 <file path=ppt/slides/slide2.xml><?xml version="1.0" encoding="utf-8"?>
 <p:sld xmlns:a="http://schemas.openxmlformats.org/drawingml/2006/main" xmlns:r="http://schemas.openxmlformats.org/officeDocument/2006/relationships" xmlns:p="http://schemas.openxmlformats.org/presentationml/2006/main">
   <p:cSld>
+    <p:bg>
+      <p:bgPr>
+        <a:solidFill>
+          <a:schemeClr val="bg1"/>
+        </a:solidFill>
+        <a:effectLst/>
+      </p:bgPr>
+    </p:bg>
     <p:spTree>
       <p:nvGrpSpPr>
         <p:cNvPr id="1" name=""/>
@@ -3419,61 +3483,1302 @@
       </p:grpSpPr>
       <p:sp>
         <p:nvSpPr>
+          <p:cNvPr id="9" name="Rectangle 8">
+            <a:extLst>
+              <a:ext uri="{FF2B5EF4-FFF2-40B4-BE49-F238E27FC236}">
+                <a16:creationId xmlns:a16="http://schemas.microsoft.com/office/drawing/2014/main" id="{4038CB10-1F5C-4D54-9DF7-12586DE5B007}"/>
+              </a:ext>
+              <a:ext uri="{C183D7F6-B498-43B3-948B-1728B52AA6E4}">
+                <adec:decorative xmlns:adec="http://schemas.microsoft.com/office/drawing/2017/decorative" val="1"/>
+              </a:ext>
+            </a:extLst>
+          </p:cNvPr>
+          <p:cNvSpPr>
+            <a:spLocks noGrp="1" noRot="1" noChangeAspect="1" noMove="1" noResize="1" noEditPoints="1" noAdjustHandles="1" noChangeArrowheads="1" noChangeShapeType="1" noTextEdit="1"/>
+          </p:cNvSpPr>
+          <p:nvPr>
+            <p:extLst>
+              <p:ext uri="{386F3935-93C4-4BCD-93E2-E3B085C9AB24}">
+                <p16:designElem xmlns:p16="http://schemas.microsoft.com/office/powerpoint/2015/main" val="1"/>
+              </p:ext>
+            </p:extLst>
+          </p:nvPr>
+        </p:nvSpPr>
+        <p:spPr>
+          <a:xfrm>
+            <a:off x="327546" y="4572000"/>
+            <a:ext cx="7058307" cy="1964266"/>
+          </a:xfrm>
+          <a:prstGeom prst="rect">
+            <a:avLst/>
+          </a:prstGeom>
+          <a:solidFill>
+            <a:srgbClr val="456A95">
+              <a:alpha val="95000"/>
+            </a:srgbClr>
+          </a:solidFill>
+          <a:ln>
+            <a:noFill/>
+          </a:ln>
+        </p:spPr>
+        <p:style>
+          <a:lnRef idx="2">
+            <a:schemeClr val="accent1">
+              <a:shade val="50000"/>
+            </a:schemeClr>
+          </a:lnRef>
+          <a:fillRef idx="1">
+            <a:schemeClr val="accent1"/>
+          </a:fillRef>
+          <a:effectRef idx="0">
+            <a:schemeClr val="accent1"/>
+          </a:effectRef>
+          <a:fontRef idx="minor">
+            <a:schemeClr val="lt1"/>
+          </a:fontRef>
+        </p:style>
+        <p:txBody>
+          <a:bodyPr rtlCol="0" anchor="ctr"/>
+          <a:lstStyle/>
+          <a:p>
+            <a:pPr marL="0" marR="0" lvl="0" indent="0" algn="ctr" defTabSz="914400" rtl="0" eaLnBrk="1" fontAlgn="auto" latinLnBrk="0" hangingPunct="1">
+              <a:lnSpc>
+                <a:spcPct val="100000"/>
+              </a:lnSpc>
+              <a:spcBef>
+                <a:spcPts val="0"/>
+              </a:spcBef>
+              <a:spcAft>
+                <a:spcPts val="0"/>
+              </a:spcAft>
+              <a:buClrTx/>
+              <a:buSzTx/>
+              <a:buFontTx/>
+              <a:buNone/>
+              <a:tabLst/>
+              <a:defRPr/>
+            </a:pPr>
+            <a:endParaRPr kumimoji="0" lang="en-US" sz="1800" b="0" i="0" u="none" strike="noStrike" kern="1200" cap="none" spc="0" normalizeH="0" baseline="0" noProof="0">
+              <a:ln>
+                <a:noFill/>
+              </a:ln>
+              <a:solidFill>
+                <a:prstClr val="white"/>
+              </a:solidFill>
+              <a:effectLst/>
+              <a:uLnTx/>
+              <a:uFillTx/>
+              <a:latin typeface="Calibri" panose="020F0502020204030204"/>
+              <a:ea typeface="+mn-ea"/>
+              <a:cs typeface="+mn-cs"/>
+            </a:endParaRPr>
+          </a:p>
+        </p:txBody>
+      </p:sp>
+      <p:sp>
+        <p:nvSpPr>
           <p:cNvPr id="2" name="Title 1">
             <a:extLst>
               <a:ext uri="{FF2B5EF4-FFF2-40B4-BE49-F238E27FC236}">
-                <a16:creationId xmlns:a16="http://schemas.microsoft.com/office/drawing/2014/main" id="{41C84DBF-DFDD-4200-B21D-BEEA96BC5882}"/>
-              </a:ext>
-            </a:extLst>
-          </p:cNvPr>
-          <p:cNvSpPr>
-            <a:spLocks noGrp="1"/>
-          </p:cNvSpPr>
-          <p:nvPr>
-            <p:ph type="title"/>
-          </p:nvPr>
-        </p:nvSpPr>
-        <p:spPr/>
-        <p:txBody>
-          <a:bodyPr/>
-          <a:lstStyle/>
-          <a:p>
-            <a:r>
-              <a:rPr lang="en-US" dirty="0"/>
-              <a:t>Second slide</a:t>
-            </a:r>
-          </a:p>
-        </p:txBody>
-      </p:sp>
-      <p:sp>
-        <p:nvSpPr>
-          <p:cNvPr id="3" name="Content Placeholder 2">
-            <a:extLst>
-              <a:ext uri="{FF2B5EF4-FFF2-40B4-BE49-F238E27FC236}">
-                <a16:creationId xmlns:a16="http://schemas.microsoft.com/office/drawing/2014/main" id="{398F0B39-4143-48A0-9CBD-FD9717D8A273}"/>
-              </a:ext>
-            </a:extLst>
-          </p:cNvPr>
-          <p:cNvSpPr>
-            <a:spLocks noGrp="1"/>
-          </p:cNvSpPr>
-          <p:nvPr>
-            <p:ph idx="1"/>
-          </p:nvPr>
-        </p:nvSpPr>
-        <p:spPr/>
-        <p:txBody>
-          <a:bodyPr/>
-          <a:lstStyle/>
-          <a:p>
-            <a:endParaRPr lang="en-US"/>
-          </a:p>
-        </p:txBody>
-      </p:sp>
+                <a16:creationId xmlns:a16="http://schemas.microsoft.com/office/drawing/2014/main" id="{5E1C0326-2E25-4688-9122-B6E8B5F4BF98}"/>
+              </a:ext>
+            </a:extLst>
+          </p:cNvPr>
+          <p:cNvSpPr>
+            <a:spLocks noGrp="1"/>
+          </p:cNvSpPr>
+          <p:nvPr>
+            <p:ph type="ctrTitle"/>
+          </p:nvPr>
+        </p:nvSpPr>
+        <p:spPr>
+          <a:xfrm>
+            <a:off x="524256" y="4767072"/>
+            <a:ext cx="6594189" cy="1625210"/>
+          </a:xfrm>
+        </p:spPr>
+        <p:txBody>
+          <a:bodyPr vert="horz" lIns="91440" tIns="45720" rIns="91440" bIns="45720" rtlCol="0" anchor="ctr">
+            <a:normAutofit/>
+          </a:bodyPr>
+          <a:lstStyle/>
+          <a:p>
+            <a:pPr algn="r"/>
+            <a:r>
+              <a:rPr lang="en-US" sz="4400" b="1">
+                <a:solidFill>
+                  <a:srgbClr val="FFFFFF"/>
+                </a:solidFill>
+              </a:rPr>
+              <a:t>Rule</a:t>
+            </a:r>
+          </a:p>
+        </p:txBody>
+      </p:sp>
+      <p:sp>
+        <p:nvSpPr>
+          <p:cNvPr id="11" name="Rectangle 10">
+            <a:extLst>
+              <a:ext uri="{FF2B5EF4-FFF2-40B4-BE49-F238E27FC236}">
+                <a16:creationId xmlns:a16="http://schemas.microsoft.com/office/drawing/2014/main" id="{73ED6512-6858-4552-B699-9A97FE9A4EA2}"/>
+              </a:ext>
+              <a:ext uri="{C183D7F6-B498-43B3-948B-1728B52AA6E4}">
+                <adec:decorative xmlns:adec="http://schemas.microsoft.com/office/drawing/2017/decorative" val="1"/>
+              </a:ext>
+            </a:extLst>
+          </p:cNvPr>
+          <p:cNvSpPr>
+            <a:spLocks noGrp="1" noRot="1" noChangeAspect="1" noMove="1" noResize="1" noEditPoints="1" noAdjustHandles="1" noChangeArrowheads="1" noChangeShapeType="1" noTextEdit="1"/>
+          </p:cNvSpPr>
+          <p:nvPr>
+            <p:extLst>
+              <p:ext uri="{386F3935-93C4-4BCD-93E2-E3B085C9AB24}">
+                <p16:designElem xmlns:p16="http://schemas.microsoft.com/office/powerpoint/2015/main" val="1"/>
+              </p:ext>
+            </p:extLst>
+          </p:nvPr>
+        </p:nvSpPr>
+        <p:spPr>
+          <a:xfrm>
+            <a:off x="7534655" y="321732"/>
+            <a:ext cx="4335613" cy="6214534"/>
+          </a:xfrm>
+          <a:prstGeom prst="rect">
+            <a:avLst/>
+          </a:prstGeom>
+          <a:solidFill>
+            <a:srgbClr val="595959"/>
+          </a:solidFill>
+          <a:ln>
+            <a:noFill/>
+          </a:ln>
+        </p:spPr>
+        <p:style>
+          <a:lnRef idx="2">
+            <a:schemeClr val="accent1">
+              <a:shade val="50000"/>
+            </a:schemeClr>
+          </a:lnRef>
+          <a:fillRef idx="1">
+            <a:schemeClr val="accent1"/>
+          </a:fillRef>
+          <a:effectRef idx="0">
+            <a:schemeClr val="accent1"/>
+          </a:effectRef>
+          <a:fontRef idx="minor">
+            <a:schemeClr val="lt1"/>
+          </a:fontRef>
+        </p:style>
+        <p:txBody>
+          <a:bodyPr rtlCol="0" anchor="ctr"/>
+          <a:lstStyle/>
+          <a:p>
+            <a:pPr marL="0" marR="0" lvl="0" indent="0" algn="ctr" defTabSz="914400" rtl="0" eaLnBrk="1" fontAlgn="auto" latinLnBrk="0" hangingPunct="1">
+              <a:lnSpc>
+                <a:spcPct val="100000"/>
+              </a:lnSpc>
+              <a:spcBef>
+                <a:spcPts val="0"/>
+              </a:spcBef>
+              <a:spcAft>
+                <a:spcPts val="0"/>
+              </a:spcAft>
+              <a:buClrTx/>
+              <a:buSzTx/>
+              <a:buFontTx/>
+              <a:buNone/>
+              <a:tabLst/>
+              <a:defRPr/>
+            </a:pPr>
+            <a:endParaRPr kumimoji="0" lang="en-US" sz="1800" b="0" i="0" u="none" strike="noStrike" kern="1200" cap="none" spc="0" normalizeH="0" baseline="0" noProof="0">
+              <a:ln>
+                <a:noFill/>
+              </a:ln>
+              <a:solidFill>
+                <a:prstClr val="white"/>
+              </a:solidFill>
+              <a:effectLst/>
+              <a:uLnTx/>
+              <a:uFillTx/>
+              <a:latin typeface="Calibri" panose="020F0502020204030204"/>
+              <a:ea typeface="+mn-ea"/>
+              <a:cs typeface="+mn-cs"/>
+            </a:endParaRPr>
+          </a:p>
+        </p:txBody>
+      </p:sp>
+      <p:sp>
+        <p:nvSpPr>
+          <p:cNvPr id="3" name="Subtitle 2">
+            <a:extLst>
+              <a:ext uri="{FF2B5EF4-FFF2-40B4-BE49-F238E27FC236}">
+                <a16:creationId xmlns:a16="http://schemas.microsoft.com/office/drawing/2014/main" id="{E75DE1D4-CE86-4C3B-9D05-00F5E7A4954C}"/>
+              </a:ext>
+            </a:extLst>
+          </p:cNvPr>
+          <p:cNvSpPr>
+            <a:spLocks noGrp="1"/>
+          </p:cNvSpPr>
+          <p:nvPr>
+            <p:ph type="subTitle" idx="1"/>
+          </p:nvPr>
+        </p:nvSpPr>
+        <p:spPr>
+          <a:xfrm>
+            <a:off x="8029319" y="917725"/>
+            <a:ext cx="3424739" cy="4852362"/>
+          </a:xfrm>
+        </p:spPr>
+        <p:txBody>
+          <a:bodyPr vert="horz" lIns="91440" tIns="45720" rIns="91440" bIns="45720" rtlCol="0" anchor="ctr">
+            <a:normAutofit/>
+          </a:bodyPr>
+          <a:lstStyle/>
+          <a:p>
+            <a:pPr indent="-228600" algn="l">
+              <a:buFont typeface="Arial" panose="020B0604020202020204" pitchFamily="34" charset="0"/>
+              <a:buChar char="•"/>
+            </a:pPr>
+            <a:r>
+              <a:rPr lang="en-US" sz="2000" dirty="0">
+                <a:solidFill>
+                  <a:srgbClr val="FFFFFF"/>
+                </a:solidFill>
+              </a:rPr>
+              <a:t>Given a partially filled 9×9 2D array ‘grid[9][9]’</a:t>
+            </a:r>
+          </a:p>
+          <a:p>
+            <a:pPr algn="l"/>
+            <a:endParaRPr lang="en-US" sz="2000" dirty="0">
+              <a:solidFill>
+                <a:srgbClr val="FFFFFF"/>
+              </a:solidFill>
+            </a:endParaRPr>
+          </a:p>
+          <a:p>
+            <a:pPr indent="-228600" algn="l">
+              <a:buFont typeface="Arial" panose="020B0604020202020204" pitchFamily="34" charset="0"/>
+              <a:buChar char="•"/>
+            </a:pPr>
+            <a:r>
+              <a:rPr lang="en-US" sz="2000" dirty="0">
+                <a:solidFill>
+                  <a:srgbClr val="FFFFFF"/>
+                </a:solidFill>
+              </a:rPr>
+              <a:t>The goal is:</a:t>
+            </a:r>
+          </a:p>
+          <a:p>
+            <a:pPr algn="l"/>
+            <a:r>
+              <a:rPr lang="en-US" sz="2000" dirty="0">
+                <a:solidFill>
+                  <a:srgbClr val="FFFFFF"/>
+                </a:solidFill>
+              </a:rPr>
+              <a:t>- To assign digits (from 1 to 9) to the empty cells so that</a:t>
+            </a:r>
+          </a:p>
+          <a:p>
+            <a:r>
+              <a:rPr lang="en-US" sz="2000" dirty="0">
+                <a:solidFill>
+                  <a:srgbClr val="FFFFFF"/>
+                </a:solidFill>
+              </a:rPr>
+              <a:t>	 </a:t>
+            </a:r>
+            <a:r>
+              <a:rPr lang="en-US" sz="2000" u="sng" dirty="0">
+                <a:solidFill>
+                  <a:srgbClr val="FFFFFF"/>
+                </a:solidFill>
+              </a:rPr>
+              <a:t>every row</a:t>
+            </a:r>
+          </a:p>
+          <a:p>
+            <a:r>
+              <a:rPr lang="en-US" sz="2000" dirty="0">
+                <a:solidFill>
+                  <a:srgbClr val="FFFFFF"/>
+                </a:solidFill>
+              </a:rPr>
+              <a:t>	 </a:t>
+            </a:r>
+            <a:r>
+              <a:rPr lang="en-US" sz="2000" u="sng" dirty="0">
+                <a:solidFill>
+                  <a:srgbClr val="FFFFFF"/>
+                </a:solidFill>
+              </a:rPr>
+              <a:t>every column</a:t>
+            </a:r>
+          </a:p>
+          <a:p>
+            <a:r>
+              <a:rPr lang="en-US" sz="2000" u="sng" dirty="0">
+                <a:solidFill>
+                  <a:srgbClr val="FFFFFF"/>
+                </a:solidFill>
+              </a:rPr>
+              <a:t>every </a:t>
+            </a:r>
+            <a:r>
+              <a:rPr lang="en-US" sz="2000" u="sng" dirty="0" err="1">
+                <a:solidFill>
+                  <a:srgbClr val="FFFFFF"/>
+                </a:solidFill>
+              </a:rPr>
+              <a:t>subgrid</a:t>
+            </a:r>
+            <a:r>
+              <a:rPr lang="en-US" sz="2000" u="sng" dirty="0">
+                <a:solidFill>
+                  <a:srgbClr val="FFFFFF"/>
+                </a:solidFill>
+              </a:rPr>
+              <a:t> of size 3×3</a:t>
+            </a:r>
+          </a:p>
+          <a:p>
+            <a:pPr algn="l"/>
+            <a:r>
+              <a:rPr lang="en-US" sz="2000" dirty="0">
+                <a:solidFill>
+                  <a:srgbClr val="FFFFFF"/>
+                </a:solidFill>
+              </a:rPr>
+              <a:t>- Contains exactly one instance of the digits from 1 to 9.</a:t>
+            </a:r>
+          </a:p>
+        </p:txBody>
+      </p:sp>
+      <p:pic>
+        <p:nvPicPr>
+          <p:cNvPr id="5" name="Picture 4">
+            <a:extLst>
+              <a:ext uri="{FF2B5EF4-FFF2-40B4-BE49-F238E27FC236}">
+                <a16:creationId xmlns:a16="http://schemas.microsoft.com/office/drawing/2014/main" id="{DAE35436-7B50-4E46-A718-09068F299B08}"/>
+              </a:ext>
+            </a:extLst>
+          </p:cNvPr>
+          <p:cNvPicPr>
+            <a:picLocks noChangeAspect="1"/>
+          </p:cNvPicPr>
+          <p:nvPr/>
+        </p:nvPicPr>
+        <p:blipFill>
+          <a:blip r:embed="rId2"/>
+          <a:stretch>
+            <a:fillRect/>
+          </a:stretch>
+        </p:blipFill>
+        <p:spPr>
+          <a:xfrm>
+            <a:off x="321731" y="321732"/>
+            <a:ext cx="7058307" cy="4152732"/>
+          </a:xfrm>
+          <a:prstGeom prst="rect">
+            <a:avLst/>
+          </a:prstGeom>
+        </p:spPr>
+      </p:pic>
     </p:spTree>
     <p:extLst>
       <p:ext uri="{BB962C8B-B14F-4D97-AF65-F5344CB8AC3E}">
-        <p14:creationId xmlns:p14="http://schemas.microsoft.com/office/powerpoint/2010/main" val="28990446"/>
+        <p14:creationId xmlns:p14="http://schemas.microsoft.com/office/powerpoint/2010/main" val="2569484169"/>
+      </p:ext>
+    </p:extLst>
+  </p:cSld>
+  <p:clrMapOvr>
+    <a:masterClrMapping/>
+  </p:clrMapOvr>
+</p:sld>
+</file>
+
+<file path=ppt/slides/slide3.xml><?xml version="1.0" encoding="utf-8"?>
+<p:sld xmlns:a="http://schemas.openxmlformats.org/drawingml/2006/main" xmlns:r="http://schemas.openxmlformats.org/officeDocument/2006/relationships" xmlns:p="http://schemas.openxmlformats.org/presentationml/2006/main">
+  <p:cSld>
+    <p:bg>
+      <p:bgPr>
+        <a:solidFill>
+          <a:srgbClr val="00194C"/>
+        </a:solidFill>
+        <a:effectLst/>
+      </p:bgPr>
+    </p:bg>
+    <p:spTree>
+      <p:nvGrpSpPr>
+        <p:cNvPr id="1" name=""/>
+        <p:cNvGrpSpPr/>
+        <p:nvPr/>
+      </p:nvGrpSpPr>
+      <p:grpSpPr>
+        <a:xfrm>
+          <a:off x="0" y="0"/>
+          <a:ext cx="0" cy="0"/>
+          <a:chOff x="0" y="0"/>
+          <a:chExt cx="0" cy="0"/>
+        </a:xfrm>
+      </p:grpSpPr>
+      <p:sp>
+        <p:nvSpPr>
+          <p:cNvPr id="2" name="Title 1">
+            <a:extLst>
+              <a:ext uri="{FF2B5EF4-FFF2-40B4-BE49-F238E27FC236}">
+                <a16:creationId xmlns:a16="http://schemas.microsoft.com/office/drawing/2014/main" id="{5E1C0326-2E25-4688-9122-B6E8B5F4BF98}"/>
+              </a:ext>
+            </a:extLst>
+          </p:cNvPr>
+          <p:cNvSpPr>
+            <a:spLocks noGrp="1"/>
+          </p:cNvSpPr>
+          <p:nvPr>
+            <p:ph type="ctrTitle"/>
+          </p:nvPr>
+        </p:nvSpPr>
+        <p:spPr>
+          <a:xfrm>
+            <a:off x="1524000" y="457200"/>
+            <a:ext cx="8534400" cy="716280"/>
+          </a:xfrm>
+        </p:spPr>
+        <p:txBody>
+          <a:bodyPr>
+            <a:normAutofit fontScale="90000"/>
+          </a:bodyPr>
+          <a:lstStyle/>
+          <a:p>
+            <a:r>
+              <a:rPr lang="en-US" sz="6700" b="1" dirty="0">
+                <a:solidFill>
+                  <a:srgbClr val="FFC000"/>
+                </a:solidFill>
+              </a:rPr>
+              <a:t>Solution</a:t>
+            </a:r>
+          </a:p>
+        </p:txBody>
+      </p:sp>
+      <p:sp>
+        <p:nvSpPr>
+          <p:cNvPr id="3" name="Subtitle 2">
+            <a:extLst>
+              <a:ext uri="{FF2B5EF4-FFF2-40B4-BE49-F238E27FC236}">
+                <a16:creationId xmlns:a16="http://schemas.microsoft.com/office/drawing/2014/main" id="{E75DE1D4-CE86-4C3B-9D05-00F5E7A4954C}"/>
+              </a:ext>
+            </a:extLst>
+          </p:cNvPr>
+          <p:cNvSpPr>
+            <a:spLocks noGrp="1"/>
+          </p:cNvSpPr>
+          <p:nvPr>
+            <p:ph type="subTitle" idx="1"/>
+          </p:nvPr>
+        </p:nvSpPr>
+        <p:spPr>
+          <a:xfrm>
+            <a:off x="45720" y="1568767"/>
+            <a:ext cx="6766560" cy="4639808"/>
+          </a:xfrm>
+        </p:spPr>
+        <p:txBody>
+          <a:bodyPr>
+            <a:normAutofit fontScale="77500" lnSpcReduction="20000"/>
+          </a:bodyPr>
+          <a:lstStyle/>
+          <a:p>
+            <a:pPr algn="l"/>
+            <a:r>
+              <a:rPr lang="en-US" sz="4600" b="1" dirty="0">
+                <a:solidFill>
+                  <a:schemeClr val="bg1"/>
+                </a:solidFill>
+              </a:rPr>
+              <a:t>Backtracking Algorithm:</a:t>
+            </a:r>
+          </a:p>
+          <a:p>
+            <a:pPr algn="l"/>
+            <a:r>
+              <a:rPr lang="en-US" sz="3600" dirty="0">
+                <a:solidFill>
+                  <a:schemeClr val="bg1"/>
+                </a:solidFill>
+              </a:rPr>
+              <a:t> Find row, col of an unassigned cell</a:t>
+            </a:r>
+          </a:p>
+          <a:p>
+            <a:pPr algn="l"/>
+            <a:r>
+              <a:rPr lang="en-US" sz="3600" dirty="0">
+                <a:solidFill>
+                  <a:schemeClr val="bg1"/>
+                </a:solidFill>
+              </a:rPr>
+              <a:t>  If there is none, return true</a:t>
+            </a:r>
+          </a:p>
+          <a:p>
+            <a:pPr algn="l"/>
+            <a:r>
+              <a:rPr lang="en-US" sz="3600" dirty="0">
+                <a:solidFill>
+                  <a:schemeClr val="bg1"/>
+                </a:solidFill>
+              </a:rPr>
+              <a:t>  For digits from 1 to 9</a:t>
+            </a:r>
+          </a:p>
+          <a:p>
+            <a:pPr algn="l"/>
+            <a:r>
+              <a:rPr lang="en-US" sz="3600" dirty="0">
+                <a:solidFill>
+                  <a:schemeClr val="bg1"/>
+                </a:solidFill>
+              </a:rPr>
+              <a:t>    a) If there is no conflict for digit at row, col</a:t>
+            </a:r>
+          </a:p>
+          <a:p>
+            <a:pPr algn="l"/>
+            <a:r>
+              <a:rPr lang="en-US" sz="3600" dirty="0">
+                <a:solidFill>
+                  <a:schemeClr val="bg1"/>
+                </a:solidFill>
+              </a:rPr>
+              <a:t>        assign digit to row, col and recursively try fill in rest of grid</a:t>
+            </a:r>
+          </a:p>
+          <a:p>
+            <a:pPr algn="l"/>
+            <a:r>
+              <a:rPr lang="en-US" sz="3600" dirty="0">
+                <a:solidFill>
+                  <a:schemeClr val="bg1"/>
+                </a:solidFill>
+              </a:rPr>
+              <a:t>    b) If recursion successful, return true</a:t>
+            </a:r>
+          </a:p>
+          <a:p>
+            <a:pPr algn="l"/>
+            <a:r>
+              <a:rPr lang="en-US" sz="3600" dirty="0">
+                <a:solidFill>
+                  <a:schemeClr val="bg1"/>
+                </a:solidFill>
+              </a:rPr>
+              <a:t>    c) Else, remove digit and try another</a:t>
+            </a:r>
+          </a:p>
+          <a:p>
+            <a:pPr algn="l"/>
+            <a:r>
+              <a:rPr lang="en-US" sz="3600" dirty="0">
+                <a:solidFill>
+                  <a:schemeClr val="bg1"/>
+                </a:solidFill>
+              </a:rPr>
+              <a:t>  If all digits have been tried and nothing worked, return false</a:t>
+            </a:r>
+          </a:p>
+        </p:txBody>
+      </p:sp>
+      <p:pic>
+        <p:nvPicPr>
+          <p:cNvPr id="5" name="Picture 4">
+            <a:extLst>
+              <a:ext uri="{FF2B5EF4-FFF2-40B4-BE49-F238E27FC236}">
+                <a16:creationId xmlns:a16="http://schemas.microsoft.com/office/drawing/2014/main" id="{5FB0299F-6FD9-486F-9D8C-E6CE9A2E5289}"/>
+              </a:ext>
+            </a:extLst>
+          </p:cNvPr>
+          <p:cNvPicPr>
+            <a:picLocks noChangeAspect="1"/>
+          </p:cNvPicPr>
+          <p:nvPr/>
+        </p:nvPicPr>
+        <p:blipFill>
+          <a:blip r:embed="rId2"/>
+          <a:stretch>
+            <a:fillRect/>
+          </a:stretch>
+        </p:blipFill>
+        <p:spPr>
+          <a:xfrm>
+            <a:off x="6812280" y="1568767"/>
+            <a:ext cx="5379720" cy="4391025"/>
+          </a:xfrm>
+          <a:prstGeom prst="rect">
+            <a:avLst/>
+          </a:prstGeom>
+        </p:spPr>
+      </p:pic>
+    </p:spTree>
+    <p:extLst>
+      <p:ext uri="{BB962C8B-B14F-4D97-AF65-F5344CB8AC3E}">
+        <p14:creationId xmlns:p14="http://schemas.microsoft.com/office/powerpoint/2010/main" val="80148829"/>
+      </p:ext>
+    </p:extLst>
+  </p:cSld>
+  <p:clrMapOvr>
+    <a:masterClrMapping/>
+  </p:clrMapOvr>
+</p:sld>
+</file>
+
+<file path=ppt/slides/slide4.xml><?xml version="1.0" encoding="utf-8"?>
+<p:sld xmlns:a="http://schemas.openxmlformats.org/drawingml/2006/main" xmlns:r="http://schemas.openxmlformats.org/officeDocument/2006/relationships" xmlns:p="http://schemas.openxmlformats.org/presentationml/2006/main">
+  <p:cSld>
+    <p:bg>
+      <p:bgPr>
+        <a:solidFill>
+          <a:srgbClr val="00194C"/>
+        </a:solidFill>
+        <a:effectLst/>
+      </p:bgPr>
+    </p:bg>
+    <p:spTree>
+      <p:nvGrpSpPr>
+        <p:cNvPr id="1" name=""/>
+        <p:cNvGrpSpPr/>
+        <p:nvPr/>
+      </p:nvGrpSpPr>
+      <p:grpSpPr>
+        <a:xfrm>
+          <a:off x="0" y="0"/>
+          <a:ext cx="0" cy="0"/>
+          <a:chOff x="0" y="0"/>
+          <a:chExt cx="0" cy="0"/>
+        </a:xfrm>
+      </p:grpSpPr>
+      <p:sp>
+        <p:nvSpPr>
+          <p:cNvPr id="2" name="Title 1">
+            <a:extLst>
+              <a:ext uri="{FF2B5EF4-FFF2-40B4-BE49-F238E27FC236}">
+                <a16:creationId xmlns:a16="http://schemas.microsoft.com/office/drawing/2014/main" id="{5E1C0326-2E25-4688-9122-B6E8B5F4BF98}"/>
+              </a:ext>
+            </a:extLst>
+          </p:cNvPr>
+          <p:cNvSpPr>
+            <a:spLocks noGrp="1"/>
+          </p:cNvSpPr>
+          <p:nvPr>
+            <p:ph type="ctrTitle"/>
+          </p:nvPr>
+        </p:nvSpPr>
+        <p:spPr>
+          <a:xfrm>
+            <a:off x="-274320" y="2537618"/>
+            <a:ext cx="6202680" cy="1193483"/>
+          </a:xfrm>
+        </p:spPr>
+        <p:txBody>
+          <a:bodyPr>
+            <a:normAutofit fontScale="90000"/>
+          </a:bodyPr>
+          <a:lstStyle/>
+          <a:p>
+            <a:r>
+              <a:rPr lang="en-US" sz="6700" b="1" dirty="0">
+                <a:solidFill>
+                  <a:srgbClr val="FFC000"/>
+                </a:solidFill>
+              </a:rPr>
+              <a:t>Code </a:t>
+            </a:r>
+            <a:br>
+              <a:rPr lang="en-US" sz="6700" b="1" dirty="0">
+                <a:solidFill>
+                  <a:srgbClr val="FFC000"/>
+                </a:solidFill>
+              </a:rPr>
+            </a:br>
+            <a:r>
+              <a:rPr lang="en-US" sz="6700" b="1" dirty="0">
+                <a:solidFill>
+                  <a:srgbClr val="FFC000"/>
+                </a:solidFill>
+              </a:rPr>
+              <a:t>Example</a:t>
+            </a:r>
+          </a:p>
+        </p:txBody>
+      </p:sp>
+      <p:pic>
+        <p:nvPicPr>
+          <p:cNvPr id="4" name="Picture 3">
+            <a:extLst>
+              <a:ext uri="{FF2B5EF4-FFF2-40B4-BE49-F238E27FC236}">
+                <a16:creationId xmlns:a16="http://schemas.microsoft.com/office/drawing/2014/main" id="{9FCD8417-4207-4044-8AB4-6C1B61C5071D}"/>
+              </a:ext>
+            </a:extLst>
+          </p:cNvPr>
+          <p:cNvPicPr>
+            <a:picLocks noChangeAspect="1"/>
+          </p:cNvPicPr>
+          <p:nvPr/>
+        </p:nvPicPr>
+        <p:blipFill>
+          <a:blip r:embed="rId2"/>
+          <a:stretch>
+            <a:fillRect/>
+          </a:stretch>
+        </p:blipFill>
+        <p:spPr>
+          <a:xfrm>
+            <a:off x="5410200" y="0"/>
+            <a:ext cx="5791200" cy="6858000"/>
+          </a:xfrm>
+          <a:prstGeom prst="rect">
+            <a:avLst/>
+          </a:prstGeom>
+        </p:spPr>
+      </p:pic>
+      <p:sp>
+        <p:nvSpPr>
+          <p:cNvPr id="5" name="TextBox 4">
+            <a:extLst>
+              <a:ext uri="{FF2B5EF4-FFF2-40B4-BE49-F238E27FC236}">
+                <a16:creationId xmlns:a16="http://schemas.microsoft.com/office/drawing/2014/main" id="{F9DE3187-BCF4-4F2F-9C13-BBC4D7E3FA56}"/>
+              </a:ext>
+            </a:extLst>
+          </p:cNvPr>
+          <p:cNvSpPr txBox="1"/>
+          <p:nvPr/>
+        </p:nvSpPr>
+        <p:spPr>
+          <a:xfrm>
+            <a:off x="152400" y="5300088"/>
+            <a:ext cx="4831080" cy="1015663"/>
+          </a:xfrm>
+          <a:prstGeom prst="rect">
+            <a:avLst/>
+          </a:prstGeom>
+          <a:noFill/>
+        </p:spPr>
+        <p:txBody>
+          <a:bodyPr wrap="square" rtlCol="0">
+            <a:spAutoFit/>
+          </a:bodyPr>
+          <a:lstStyle/>
+          <a:p>
+            <a:r>
+              <a:rPr lang="en-US" sz="2000" dirty="0">
+                <a:solidFill>
+                  <a:schemeClr val="bg1"/>
+                </a:solidFill>
+              </a:rPr>
+              <a:t>Reference: </a:t>
+            </a:r>
+            <a:r>
+              <a:rPr lang="en-US" sz="2000" dirty="0">
+                <a:hlinkClick r:id="rId3"/>
+              </a:rPr>
+              <a:t>https://www.geeksforgeeks.org/sudoku-backtracking-7/</a:t>
+            </a:r>
+            <a:endParaRPr lang="en-US" sz="2000" dirty="0">
+              <a:solidFill>
+                <a:schemeClr val="bg1"/>
+              </a:solidFill>
+            </a:endParaRPr>
+          </a:p>
+        </p:txBody>
+      </p:sp>
+    </p:spTree>
+    <p:extLst>
+      <p:ext uri="{BB962C8B-B14F-4D97-AF65-F5344CB8AC3E}">
+        <p14:creationId xmlns:p14="http://schemas.microsoft.com/office/powerpoint/2010/main" val="1343979040"/>
+      </p:ext>
+    </p:extLst>
+  </p:cSld>
+  <p:clrMapOvr>
+    <a:masterClrMapping/>
+  </p:clrMapOvr>
+</p:sld>
+</file>
+
+<file path=ppt/slides/slide5.xml><?xml version="1.0" encoding="utf-8"?>
+<p:sld xmlns:a="http://schemas.openxmlformats.org/drawingml/2006/main" xmlns:r="http://schemas.openxmlformats.org/officeDocument/2006/relationships" xmlns:p="http://schemas.openxmlformats.org/presentationml/2006/main">
+  <p:cSld>
+    <p:bg>
+      <p:bgPr>
+        <a:solidFill>
+          <a:srgbClr val="00194C"/>
+        </a:solidFill>
+        <a:effectLst/>
+      </p:bgPr>
+    </p:bg>
+    <p:spTree>
+      <p:nvGrpSpPr>
+        <p:cNvPr id="1" name=""/>
+        <p:cNvGrpSpPr/>
+        <p:nvPr/>
+      </p:nvGrpSpPr>
+      <p:grpSpPr>
+        <a:xfrm>
+          <a:off x="0" y="0"/>
+          <a:ext cx="0" cy="0"/>
+          <a:chOff x="0" y="0"/>
+          <a:chExt cx="0" cy="0"/>
+        </a:xfrm>
+      </p:grpSpPr>
+      <p:pic>
+        <p:nvPicPr>
+          <p:cNvPr id="4" name="Picture 3">
+            <a:extLst>
+              <a:ext uri="{FF2B5EF4-FFF2-40B4-BE49-F238E27FC236}">
+                <a16:creationId xmlns:a16="http://schemas.microsoft.com/office/drawing/2014/main" id="{644ECC73-A0CD-4877-BDCC-CE9E05FECB77}"/>
+              </a:ext>
+            </a:extLst>
+          </p:cNvPr>
+          <p:cNvPicPr>
+            <a:picLocks noChangeAspect="1"/>
+          </p:cNvPicPr>
+          <p:nvPr/>
+        </p:nvPicPr>
+        <p:blipFill>
+          <a:blip r:embed="rId2"/>
+          <a:stretch>
+            <a:fillRect/>
+          </a:stretch>
+        </p:blipFill>
+        <p:spPr>
+          <a:xfrm>
+            <a:off x="3941444" y="1763077"/>
+            <a:ext cx="4714875" cy="3823407"/>
+          </a:xfrm>
+          <a:prstGeom prst="rect">
+            <a:avLst/>
+          </a:prstGeom>
+        </p:spPr>
+      </p:pic>
+      <p:sp>
+        <p:nvSpPr>
+          <p:cNvPr id="2" name="Title 1">
+            <a:extLst>
+              <a:ext uri="{FF2B5EF4-FFF2-40B4-BE49-F238E27FC236}">
+                <a16:creationId xmlns:a16="http://schemas.microsoft.com/office/drawing/2014/main" id="{5E1C0326-2E25-4688-9122-B6E8B5F4BF98}"/>
+              </a:ext>
+            </a:extLst>
+          </p:cNvPr>
+          <p:cNvSpPr>
+            <a:spLocks noGrp="1"/>
+          </p:cNvSpPr>
+          <p:nvPr>
+            <p:ph type="ctrTitle"/>
+          </p:nvPr>
+        </p:nvSpPr>
+        <p:spPr>
+          <a:xfrm>
+            <a:off x="1524000" y="335280"/>
+            <a:ext cx="9144000" cy="1046480"/>
+          </a:xfrm>
+        </p:spPr>
+        <p:txBody>
+          <a:bodyPr>
+            <a:normAutofit/>
+          </a:bodyPr>
+          <a:lstStyle/>
+          <a:p>
+            <a:r>
+              <a:rPr lang="en-US" sz="6700" b="1" dirty="0">
+                <a:solidFill>
+                  <a:srgbClr val="FFC000"/>
+                </a:solidFill>
+              </a:rPr>
+              <a:t>Result</a:t>
+            </a:r>
+          </a:p>
+        </p:txBody>
+      </p:sp>
+    </p:spTree>
+    <p:extLst>
+      <p:ext uri="{BB962C8B-B14F-4D97-AF65-F5344CB8AC3E}">
+        <p14:creationId xmlns:p14="http://schemas.microsoft.com/office/powerpoint/2010/main" val="898951708"/>
+      </p:ext>
+    </p:extLst>
+  </p:cSld>
+  <p:clrMapOvr>
+    <a:masterClrMapping/>
+  </p:clrMapOvr>
+</p:sld>
+</file>
+
+<file path=ppt/slides/slide6.xml><?xml version="1.0" encoding="utf-8"?>
+<p:sld xmlns:a="http://schemas.openxmlformats.org/drawingml/2006/main" xmlns:r="http://schemas.openxmlformats.org/officeDocument/2006/relationships" xmlns:p="http://schemas.openxmlformats.org/presentationml/2006/main">
+  <p:cSld>
+    <p:bg>
+      <p:bgPr>
+        <a:solidFill>
+          <a:srgbClr val="00194C"/>
+        </a:solidFill>
+        <a:effectLst/>
+      </p:bgPr>
+    </p:bg>
+    <p:spTree>
+      <p:nvGrpSpPr>
+        <p:cNvPr id="1" name=""/>
+        <p:cNvGrpSpPr/>
+        <p:nvPr/>
+      </p:nvGrpSpPr>
+      <p:grpSpPr>
+        <a:xfrm>
+          <a:off x="0" y="0"/>
+          <a:ext cx="0" cy="0"/>
+          <a:chOff x="0" y="0"/>
+          <a:chExt cx="0" cy="0"/>
+        </a:xfrm>
+      </p:grpSpPr>
+      <p:sp>
+        <p:nvSpPr>
+          <p:cNvPr id="2" name="Title 1">
+            <a:extLst>
+              <a:ext uri="{FF2B5EF4-FFF2-40B4-BE49-F238E27FC236}">
+                <a16:creationId xmlns:a16="http://schemas.microsoft.com/office/drawing/2014/main" id="{5E1C0326-2E25-4688-9122-B6E8B5F4BF98}"/>
+              </a:ext>
+            </a:extLst>
+          </p:cNvPr>
+          <p:cNvSpPr>
+            <a:spLocks noGrp="1"/>
+          </p:cNvSpPr>
+          <p:nvPr>
+            <p:ph type="ctrTitle"/>
+          </p:nvPr>
+        </p:nvSpPr>
+        <p:spPr>
+          <a:xfrm>
+            <a:off x="1524000" y="115707"/>
+            <a:ext cx="9144000" cy="1269683"/>
+          </a:xfrm>
+        </p:spPr>
+        <p:txBody>
+          <a:bodyPr>
+            <a:normAutofit/>
+          </a:bodyPr>
+          <a:lstStyle/>
+          <a:p>
+            <a:r>
+              <a:rPr lang="en-US" sz="6700" b="1" dirty="0">
+                <a:solidFill>
+                  <a:srgbClr val="FFC000"/>
+                </a:solidFill>
+              </a:rPr>
+              <a:t>Mission</a:t>
+            </a:r>
+          </a:p>
+        </p:txBody>
+      </p:sp>
+      <p:sp>
+        <p:nvSpPr>
+          <p:cNvPr id="3" name="Subtitle 2">
+            <a:extLst>
+              <a:ext uri="{FF2B5EF4-FFF2-40B4-BE49-F238E27FC236}">
+                <a16:creationId xmlns:a16="http://schemas.microsoft.com/office/drawing/2014/main" id="{E75DE1D4-CE86-4C3B-9D05-00F5E7A4954C}"/>
+              </a:ext>
+            </a:extLst>
+          </p:cNvPr>
+          <p:cNvSpPr>
+            <a:spLocks noGrp="1"/>
+          </p:cNvSpPr>
+          <p:nvPr>
+            <p:ph type="subTitle" idx="1"/>
+          </p:nvPr>
+        </p:nvSpPr>
+        <p:spPr>
+          <a:xfrm>
+            <a:off x="426720" y="1385390"/>
+            <a:ext cx="10820400" cy="4863010"/>
+          </a:xfrm>
+        </p:spPr>
+        <p:txBody>
+          <a:bodyPr>
+            <a:normAutofit fontScale="70000" lnSpcReduction="20000"/>
+          </a:bodyPr>
+          <a:lstStyle/>
+          <a:p>
+            <a:pPr algn="l"/>
+            <a:r>
+              <a:rPr lang="en-US" sz="3600" dirty="0">
+                <a:solidFill>
+                  <a:schemeClr val="bg1"/>
+                </a:solidFill>
+              </a:rPr>
+              <a:t>Optimize Sudoku solver:</a:t>
+            </a:r>
+          </a:p>
+          <a:p>
+            <a:pPr algn="l"/>
+            <a:r>
+              <a:rPr lang="en-US" sz="3600" dirty="0">
+                <a:solidFill>
+                  <a:schemeClr val="bg1"/>
+                </a:solidFill>
+              </a:rPr>
+              <a:t>-Speed up solving ability to reduce elapsed time</a:t>
+            </a:r>
+          </a:p>
+          <a:p>
+            <a:pPr marL="571500" indent="-571500" algn="l">
+              <a:buFontTx/>
+              <a:buChar char="-"/>
+            </a:pPr>
+            <a:endParaRPr lang="en-US" sz="3600" dirty="0">
+              <a:solidFill>
+                <a:schemeClr val="bg1"/>
+              </a:solidFill>
+            </a:endParaRPr>
+          </a:p>
+          <a:p>
+            <a:pPr algn="l"/>
+            <a:r>
+              <a:rPr lang="en-US" sz="3600" dirty="0">
+                <a:solidFill>
+                  <a:schemeClr val="bg1"/>
+                </a:solidFill>
+              </a:rPr>
+              <a:t>Idea:</a:t>
+            </a:r>
+          </a:p>
+          <a:p>
+            <a:pPr algn="l"/>
+            <a:r>
+              <a:rPr lang="en-US" sz="3600" dirty="0">
+                <a:solidFill>
+                  <a:schemeClr val="bg1"/>
+                </a:solidFill>
+              </a:rPr>
+              <a:t>-Using multithreading to boost up performance</a:t>
+            </a:r>
+          </a:p>
+          <a:p>
+            <a:pPr algn="l"/>
+            <a:endParaRPr lang="en-US" sz="3600" dirty="0">
+              <a:solidFill>
+                <a:schemeClr val="bg1"/>
+              </a:solidFill>
+            </a:endParaRPr>
+          </a:p>
+          <a:p>
+            <a:pPr algn="l"/>
+            <a:r>
+              <a:rPr lang="en-US" sz="3600" dirty="0">
+                <a:solidFill>
+                  <a:schemeClr val="bg1"/>
+                </a:solidFill>
+              </a:rPr>
+              <a:t>Technology:</a:t>
+            </a:r>
+          </a:p>
+          <a:p>
+            <a:pPr algn="l"/>
+            <a:r>
+              <a:rPr lang="en-US" sz="3600" dirty="0">
+                <a:solidFill>
+                  <a:schemeClr val="bg1"/>
+                </a:solidFill>
+              </a:rPr>
+              <a:t>-Programming Language: C++</a:t>
+            </a:r>
+          </a:p>
+          <a:p>
+            <a:pPr algn="l"/>
+            <a:r>
+              <a:rPr lang="en-US" sz="3600" dirty="0">
+                <a:solidFill>
+                  <a:schemeClr val="bg1"/>
+                </a:solidFill>
+              </a:rPr>
+              <a:t>-Testing on Hardware Configuration: TBD</a:t>
+            </a:r>
+          </a:p>
+          <a:p>
+            <a:pPr algn="l"/>
+            <a:endParaRPr lang="en-US" sz="3600" dirty="0">
+              <a:solidFill>
+                <a:schemeClr val="bg1"/>
+              </a:solidFill>
+            </a:endParaRPr>
+          </a:p>
+          <a:p>
+            <a:pPr algn="l"/>
+            <a:r>
+              <a:rPr lang="en-US" sz="3600" dirty="0">
+                <a:solidFill>
+                  <a:schemeClr val="bg1"/>
+                </a:solidFill>
+              </a:rPr>
+              <a:t>Goal:</a:t>
+            </a:r>
+          </a:p>
+          <a:p>
+            <a:pPr algn="l"/>
+            <a:r>
+              <a:rPr lang="en-US" sz="3600" dirty="0">
+                <a:solidFill>
+                  <a:schemeClr val="bg1"/>
+                </a:solidFill>
+              </a:rPr>
+              <a:t>-Elapsed time is improved after multithreading</a:t>
+            </a:r>
+          </a:p>
+          <a:p>
+            <a:pPr algn="l"/>
+            <a:endParaRPr lang="en-US" sz="3600" dirty="0">
+              <a:solidFill>
+                <a:schemeClr val="bg1"/>
+              </a:solidFill>
+            </a:endParaRPr>
+          </a:p>
+          <a:p>
+            <a:pPr algn="l"/>
+            <a:endParaRPr lang="en-US" sz="3600" dirty="0">
+              <a:solidFill>
+                <a:schemeClr val="bg1"/>
+              </a:solidFill>
+            </a:endParaRPr>
+          </a:p>
+          <a:p>
+            <a:pPr algn="l"/>
+            <a:endParaRPr lang="en-US" sz="3600" dirty="0">
+              <a:solidFill>
+                <a:schemeClr val="bg1"/>
+              </a:solidFill>
+            </a:endParaRPr>
+          </a:p>
+          <a:p>
+            <a:pPr marL="571500" indent="-571500" algn="l">
+              <a:buFontTx/>
+              <a:buChar char="-"/>
+            </a:pPr>
+            <a:endParaRPr lang="en-US" sz="3600" dirty="0">
+              <a:solidFill>
+                <a:schemeClr val="bg1"/>
+              </a:solidFill>
+            </a:endParaRPr>
+          </a:p>
+        </p:txBody>
+      </p:sp>
+    </p:spTree>
+    <p:extLst>
+      <p:ext uri="{BB962C8B-B14F-4D97-AF65-F5344CB8AC3E}">
+        <p14:creationId xmlns:p14="http://schemas.microsoft.com/office/powerpoint/2010/main" val="2789100582"/>
+      </p:ext>
+    </p:extLst>
+  </p:cSld>
+  <p:clrMapOvr>
+    <a:masterClrMapping/>
+  </p:clrMapOvr>
+</p:sld>
+</file>
+
+<file path=ppt/slides/slide7.xml><?xml version="1.0" encoding="utf-8"?>
+<p:sld xmlns:a="http://schemas.openxmlformats.org/drawingml/2006/main" xmlns:r="http://schemas.openxmlformats.org/officeDocument/2006/relationships" xmlns:p="http://schemas.openxmlformats.org/presentationml/2006/main">
+  <p:cSld>
+    <p:bg>
+      <p:bgPr>
+        <a:solidFill>
+          <a:srgbClr val="00194C"/>
+        </a:solidFill>
+        <a:effectLst/>
+      </p:bgPr>
+    </p:bg>
+    <p:spTree>
+      <p:nvGrpSpPr>
+        <p:cNvPr id="1" name=""/>
+        <p:cNvGrpSpPr/>
+        <p:nvPr/>
+      </p:nvGrpSpPr>
+      <p:grpSpPr>
+        <a:xfrm>
+          <a:off x="0" y="0"/>
+          <a:ext cx="0" cy="0"/>
+          <a:chOff x="0" y="0"/>
+          <a:chExt cx="0" cy="0"/>
+        </a:xfrm>
+      </p:grpSpPr>
+      <p:sp>
+        <p:nvSpPr>
+          <p:cNvPr id="2" name="Title 1">
+            <a:extLst>
+              <a:ext uri="{FF2B5EF4-FFF2-40B4-BE49-F238E27FC236}">
+                <a16:creationId xmlns:a16="http://schemas.microsoft.com/office/drawing/2014/main" id="{5E1C0326-2E25-4688-9122-B6E8B5F4BF98}"/>
+              </a:ext>
+            </a:extLst>
+          </p:cNvPr>
+          <p:cNvSpPr>
+            <a:spLocks noGrp="1"/>
+          </p:cNvSpPr>
+          <p:nvPr>
+            <p:ph type="ctrTitle"/>
+          </p:nvPr>
+        </p:nvSpPr>
+        <p:spPr/>
+        <p:txBody>
+          <a:bodyPr>
+            <a:normAutofit/>
+          </a:bodyPr>
+          <a:lstStyle/>
+          <a:p>
+            <a:r>
+              <a:rPr lang="en-US" sz="6700" b="1" dirty="0">
+                <a:solidFill>
+                  <a:srgbClr val="FFC000"/>
+                </a:solidFill>
+              </a:rPr>
+              <a:t>END</a:t>
+            </a:r>
+          </a:p>
+        </p:txBody>
+      </p:sp>
+      <p:sp>
+        <p:nvSpPr>
+          <p:cNvPr id="3" name="Subtitle 2">
+            <a:extLst>
+              <a:ext uri="{FF2B5EF4-FFF2-40B4-BE49-F238E27FC236}">
+                <a16:creationId xmlns:a16="http://schemas.microsoft.com/office/drawing/2014/main" id="{E75DE1D4-CE86-4C3B-9D05-00F5E7A4954C}"/>
+              </a:ext>
+            </a:extLst>
+          </p:cNvPr>
+          <p:cNvSpPr>
+            <a:spLocks noGrp="1"/>
+          </p:cNvSpPr>
+          <p:nvPr>
+            <p:ph type="subTitle" idx="1"/>
+          </p:nvPr>
+        </p:nvSpPr>
+        <p:spPr>
+          <a:xfrm>
+            <a:off x="1524000" y="3618728"/>
+            <a:ext cx="9144000" cy="1655762"/>
+          </a:xfrm>
+        </p:spPr>
+        <p:txBody>
+          <a:bodyPr>
+            <a:normAutofit/>
+          </a:bodyPr>
+          <a:lstStyle/>
+          <a:p>
+            <a:endParaRPr lang="en-US" sz="3600" dirty="0">
+              <a:solidFill>
+                <a:schemeClr val="bg1"/>
+              </a:solidFill>
+            </a:endParaRPr>
+          </a:p>
+        </p:txBody>
+      </p:sp>
+    </p:spTree>
+    <p:extLst>
+      <p:ext uri="{BB962C8B-B14F-4D97-AF65-F5344CB8AC3E}">
+        <p14:creationId xmlns:p14="http://schemas.microsoft.com/office/powerpoint/2010/main" val="2760463501"/>
       </p:ext>
     </p:extLst>
   </p:cSld>
